--- a/make_presentation/templates/templates/classic/_16.pptx
+++ b/make_presentation/templates/templates/classic/_16.pptx
@@ -307,7 +307,7 @@
             <a:pPr algn="r">
               <a:buNone/>
             </a:pPr>
-            <a:fld id="{7AD22A19-E0D2-4264-983B-7C2F12699003}" type="slidenum">
+            <a:fld id="{4A0BB7C2-ED70-4337-84CC-13B4476BB1A5}" type="slidenum">
               <a:rPr b="0" lang="en-US" sz="1400" spc="-1" strike="noStrike">
                 <a:latin typeface="Times New Roman"/>
               </a:rPr>
@@ -355,7 +355,7 @@
         <p:spPr>
           <a:xfrm>
             <a:off x="380880" y="685800"/>
-            <a:ext cx="6092640" cy="3425760"/>
+            <a:ext cx="6092280" cy="3425400"/>
           </a:xfrm>
           <a:prstGeom prst="rect">
             <a:avLst/>
@@ -378,7 +378,7 @@
         <p:spPr>
           <a:xfrm>
             <a:off x="685800" y="4343400"/>
-            <a:ext cx="5483160" cy="4111560"/>
+            <a:ext cx="5482800" cy="4111200"/>
           </a:xfrm>
           <a:prstGeom prst="rect">
             <a:avLst/>
@@ -412,7 +412,7 @@
         <p:spPr>
           <a:xfrm>
             <a:off x="3884760" y="8685360"/>
-            <a:ext cx="2968560" cy="453960"/>
+            <a:ext cx="2968200" cy="453600"/>
           </a:xfrm>
           <a:prstGeom prst="rect">
             <a:avLst/>
@@ -448,7 +448,7 @@
               </a:lnSpc>
               <a:buNone/>
             </a:pPr>
-            <a:fld id="{A8A4E43C-A2E4-4892-9D8A-DDC9BBE496D2}" type="slidenum">
+            <a:fld id="{680ACD19-112B-4ED6-9832-8EF3D950BB1E}" type="slidenum">
               <a:rPr b="0" lang="en-US" sz="1200" spc="-1" strike="noStrike">
                 <a:solidFill>
                   <a:srgbClr val="000000"/>
@@ -499,7 +499,7 @@
         <p:spPr>
           <a:xfrm>
             <a:off x="380880" y="685800"/>
-            <a:ext cx="6092640" cy="3425760"/>
+            <a:ext cx="6092280" cy="3425400"/>
           </a:xfrm>
           <a:prstGeom prst="rect">
             <a:avLst/>
@@ -522,7 +522,7 @@
         <p:spPr>
           <a:xfrm>
             <a:off x="685800" y="4343400"/>
-            <a:ext cx="5483160" cy="4111560"/>
+            <a:ext cx="5482800" cy="4111200"/>
           </a:xfrm>
           <a:prstGeom prst="rect">
             <a:avLst/>
@@ -556,7 +556,7 @@
         <p:spPr>
           <a:xfrm>
             <a:off x="3884760" y="8685360"/>
-            <a:ext cx="2968560" cy="453960"/>
+            <a:ext cx="2968200" cy="453600"/>
           </a:xfrm>
           <a:prstGeom prst="rect">
             <a:avLst/>
@@ -592,7 +592,7 @@
               </a:lnSpc>
               <a:buNone/>
             </a:pPr>
-            <a:fld id="{80100D2E-23DC-4FEC-8CBE-9C2314725888}" type="slidenum">
+            <a:fld id="{96C4BD26-2A63-4BF1-9AAC-7989ED5BDA41}" type="slidenum">
               <a:rPr b="0" lang="en-US" sz="1200" spc="-1" strike="noStrike">
                 <a:solidFill>
                   <a:srgbClr val="000000"/>
@@ -643,7 +643,7 @@
         <p:spPr>
           <a:xfrm>
             <a:off x="380880" y="685800"/>
-            <a:ext cx="6092640" cy="3425760"/>
+            <a:ext cx="6092280" cy="3425400"/>
           </a:xfrm>
           <a:prstGeom prst="rect">
             <a:avLst/>
@@ -666,7 +666,7 @@
         <p:spPr>
           <a:xfrm>
             <a:off x="685800" y="4343400"/>
-            <a:ext cx="5483160" cy="4111560"/>
+            <a:ext cx="5482800" cy="4111200"/>
           </a:xfrm>
           <a:prstGeom prst="rect">
             <a:avLst/>
@@ -700,7 +700,7 @@
         <p:spPr>
           <a:xfrm>
             <a:off x="3884760" y="8685360"/>
-            <a:ext cx="2968560" cy="453960"/>
+            <a:ext cx="2968200" cy="453600"/>
           </a:xfrm>
           <a:prstGeom prst="rect">
             <a:avLst/>
@@ -736,7 +736,7 @@
               </a:lnSpc>
               <a:buNone/>
             </a:pPr>
-            <a:fld id="{AF34B9A8-4E7E-4482-ABB0-E665F0465431}" type="slidenum">
+            <a:fld id="{C0073821-44E9-47D5-B25B-959EC4F9269E}" type="slidenum">
               <a:rPr b="0" lang="en-US" sz="1200" spc="-1" strike="noStrike">
                 <a:solidFill>
                   <a:srgbClr val="000000"/>
@@ -787,7 +787,7 @@
         <p:spPr>
           <a:xfrm>
             <a:off x="380880" y="685800"/>
-            <a:ext cx="6092640" cy="3425760"/>
+            <a:ext cx="6092280" cy="3425400"/>
           </a:xfrm>
           <a:prstGeom prst="rect">
             <a:avLst/>
@@ -810,7 +810,7 @@
         <p:spPr>
           <a:xfrm>
             <a:off x="685800" y="4343400"/>
-            <a:ext cx="5483160" cy="4111560"/>
+            <a:ext cx="5482800" cy="4111200"/>
           </a:xfrm>
           <a:prstGeom prst="rect">
             <a:avLst/>
@@ -844,7 +844,7 @@
         <p:spPr>
           <a:xfrm>
             <a:off x="3884760" y="8685360"/>
-            <a:ext cx="2968560" cy="453960"/>
+            <a:ext cx="2968200" cy="453600"/>
           </a:xfrm>
           <a:prstGeom prst="rect">
             <a:avLst/>
@@ -880,7 +880,7 @@
               </a:lnSpc>
               <a:buNone/>
             </a:pPr>
-            <a:fld id="{FD16BBBE-D0A8-498E-832C-3DBF2F05C258}" type="slidenum">
+            <a:fld id="{46700BAD-0BC3-4781-94FF-2000BBBF8716}" type="slidenum">
               <a:rPr b="0" lang="en-US" sz="1200" spc="-1" strike="noStrike">
                 <a:solidFill>
                   <a:srgbClr val="000000"/>
@@ -931,7 +931,7 @@
         <p:spPr>
           <a:xfrm>
             <a:off x="380880" y="685800"/>
-            <a:ext cx="6092640" cy="3425760"/>
+            <a:ext cx="6092280" cy="3425400"/>
           </a:xfrm>
           <a:prstGeom prst="rect">
             <a:avLst/>
@@ -954,7 +954,7 @@
         <p:spPr>
           <a:xfrm>
             <a:off x="685800" y="4343400"/>
-            <a:ext cx="5483160" cy="4111560"/>
+            <a:ext cx="5482800" cy="4111200"/>
           </a:xfrm>
           <a:prstGeom prst="rect">
             <a:avLst/>
@@ -988,7 +988,7 @@
         <p:spPr>
           <a:xfrm>
             <a:off x="3884760" y="8685360"/>
-            <a:ext cx="2968560" cy="453960"/>
+            <a:ext cx="2968200" cy="453600"/>
           </a:xfrm>
           <a:prstGeom prst="rect">
             <a:avLst/>
@@ -1024,7 +1024,7 @@
               </a:lnSpc>
               <a:buNone/>
             </a:pPr>
-            <a:fld id="{E8F55446-DEFE-450F-A103-88DC81A3B859}" type="slidenum">
+            <a:fld id="{E8B5D543-D72B-4045-A347-1864169F1E62}" type="slidenum">
               <a:rPr b="0" lang="en-US" sz="1200" spc="-1" strike="noStrike">
                 <a:solidFill>
                   <a:srgbClr val="000000"/>
@@ -1075,7 +1075,7 @@
         <p:spPr>
           <a:xfrm>
             <a:off x="380880" y="685800"/>
-            <a:ext cx="6092640" cy="3425760"/>
+            <a:ext cx="6092280" cy="3425400"/>
           </a:xfrm>
           <a:prstGeom prst="rect">
             <a:avLst/>
@@ -1098,7 +1098,7 @@
         <p:spPr>
           <a:xfrm>
             <a:off x="685800" y="4343400"/>
-            <a:ext cx="5483160" cy="4111560"/>
+            <a:ext cx="5482800" cy="4111200"/>
           </a:xfrm>
           <a:prstGeom prst="rect">
             <a:avLst/>
@@ -1132,7 +1132,7 @@
         <p:spPr>
           <a:xfrm>
             <a:off x="3884760" y="8685360"/>
-            <a:ext cx="2968560" cy="453960"/>
+            <a:ext cx="2968200" cy="453600"/>
           </a:xfrm>
           <a:prstGeom prst="rect">
             <a:avLst/>
@@ -1168,7 +1168,7 @@
               </a:lnSpc>
               <a:buNone/>
             </a:pPr>
-            <a:fld id="{97131189-A26F-4F6F-905E-B5860E1A7C01}" type="slidenum">
+            <a:fld id="{970A05D4-D640-4E5A-B07F-C90D964AA547}" type="slidenum">
               <a:rPr b="0" lang="en-US" sz="1200" spc="-1" strike="noStrike">
                 <a:solidFill>
                   <a:srgbClr val="000000"/>
@@ -1219,7 +1219,7 @@
         <p:spPr>
           <a:xfrm>
             <a:off x="380880" y="685800"/>
-            <a:ext cx="6092640" cy="3425760"/>
+            <a:ext cx="6092280" cy="3425400"/>
           </a:xfrm>
           <a:prstGeom prst="rect">
             <a:avLst/>
@@ -1242,7 +1242,7 @@
         <p:spPr>
           <a:xfrm>
             <a:off x="685800" y="4343400"/>
-            <a:ext cx="5483160" cy="4111560"/>
+            <a:ext cx="5482800" cy="4111200"/>
           </a:xfrm>
           <a:prstGeom prst="rect">
             <a:avLst/>
@@ -1276,7 +1276,7 @@
         <p:spPr>
           <a:xfrm>
             <a:off x="3884760" y="8685360"/>
-            <a:ext cx="2968560" cy="453960"/>
+            <a:ext cx="2968200" cy="453600"/>
           </a:xfrm>
           <a:prstGeom prst="rect">
             <a:avLst/>
@@ -1312,7 +1312,7 @@
               </a:lnSpc>
               <a:buNone/>
             </a:pPr>
-            <a:fld id="{C304120B-A375-40C4-962E-2CF3FF659F4E}" type="slidenum">
+            <a:fld id="{E8F1E15D-5307-48E9-B4CE-4ED9F23BF0AC}" type="slidenum">
               <a:rPr b="0" lang="en-US" sz="1200" spc="-1" strike="noStrike">
                 <a:solidFill>
                   <a:srgbClr val="000000"/>
@@ -1363,7 +1363,7 @@
         <p:spPr>
           <a:xfrm>
             <a:off x="380880" y="685800"/>
-            <a:ext cx="6092640" cy="3425760"/>
+            <a:ext cx="6092280" cy="3425400"/>
           </a:xfrm>
           <a:prstGeom prst="rect">
             <a:avLst/>
@@ -1386,7 +1386,7 @@
         <p:spPr>
           <a:xfrm>
             <a:off x="685800" y="4343400"/>
-            <a:ext cx="5483160" cy="4111560"/>
+            <a:ext cx="5482800" cy="4111200"/>
           </a:xfrm>
           <a:prstGeom prst="rect">
             <a:avLst/>
@@ -1420,7 +1420,7 @@
         <p:spPr>
           <a:xfrm>
             <a:off x="3884760" y="8685360"/>
-            <a:ext cx="2968560" cy="453960"/>
+            <a:ext cx="2968200" cy="453600"/>
           </a:xfrm>
           <a:prstGeom prst="rect">
             <a:avLst/>
@@ -1456,7 +1456,7 @@
               </a:lnSpc>
               <a:buNone/>
             </a:pPr>
-            <a:fld id="{B3E31F6E-CB18-4C74-B03E-D03010C1CA64}" type="slidenum">
+            <a:fld id="{F7B44493-4EE0-4C41-A0E6-FBE0B4B8F690}" type="slidenum">
               <a:rPr b="0" lang="en-US" sz="1200" spc="-1" strike="noStrike">
                 <a:solidFill>
                   <a:srgbClr val="000000"/>
@@ -1507,7 +1507,7 @@
         <p:spPr>
           <a:xfrm>
             <a:off x="380880" y="685800"/>
-            <a:ext cx="6092640" cy="3425760"/>
+            <a:ext cx="6092280" cy="3425400"/>
           </a:xfrm>
           <a:prstGeom prst="rect">
             <a:avLst/>
@@ -1530,7 +1530,7 @@
         <p:spPr>
           <a:xfrm>
             <a:off x="685800" y="4343400"/>
-            <a:ext cx="5483160" cy="4111560"/>
+            <a:ext cx="5482800" cy="4111200"/>
           </a:xfrm>
           <a:prstGeom prst="rect">
             <a:avLst/>
@@ -1564,7 +1564,7 @@
         <p:spPr>
           <a:xfrm>
             <a:off x="3884760" y="8685360"/>
-            <a:ext cx="2968560" cy="453960"/>
+            <a:ext cx="2968200" cy="453600"/>
           </a:xfrm>
           <a:prstGeom prst="rect">
             <a:avLst/>
@@ -1600,7 +1600,7 @@
               </a:lnSpc>
               <a:buNone/>
             </a:pPr>
-            <a:fld id="{6B21607B-532F-4A15-AE09-2FD785D6922E}" type="slidenum">
+            <a:fld id="{CF96BE7D-DEEE-48B8-876C-FA967EB89C20}" type="slidenum">
               <a:rPr b="0" lang="en-US" sz="1200" spc="-1" strike="noStrike">
                 <a:solidFill>
                   <a:srgbClr val="000000"/>
@@ -1651,7 +1651,7 @@
         <p:spPr>
           <a:xfrm>
             <a:off x="380880" y="685800"/>
-            <a:ext cx="6092640" cy="3425760"/>
+            <a:ext cx="6092280" cy="3425400"/>
           </a:xfrm>
           <a:prstGeom prst="rect">
             <a:avLst/>
@@ -1674,7 +1674,7 @@
         <p:spPr>
           <a:xfrm>
             <a:off x="685800" y="4343400"/>
-            <a:ext cx="5483160" cy="4111560"/>
+            <a:ext cx="5482800" cy="4111200"/>
           </a:xfrm>
           <a:prstGeom prst="rect">
             <a:avLst/>
@@ -1708,7 +1708,7 @@
         <p:spPr>
           <a:xfrm>
             <a:off x="3884760" y="8685360"/>
-            <a:ext cx="2968560" cy="453960"/>
+            <a:ext cx="2968200" cy="453600"/>
           </a:xfrm>
           <a:prstGeom prst="rect">
             <a:avLst/>
@@ -1744,7 +1744,7 @@
               </a:lnSpc>
               <a:buNone/>
             </a:pPr>
-            <a:fld id="{2320E3A9-5DED-4E2A-90DF-D80A366C904F}" type="slidenum">
+            <a:fld id="{3634F193-FBD5-4D27-8C27-2A0A5F2457EF}" type="slidenum">
               <a:rPr b="0" lang="en-US" sz="1200" spc="-1" strike="noStrike">
                 <a:solidFill>
                   <a:srgbClr val="000000"/>
@@ -1795,7 +1795,7 @@
         <p:spPr>
           <a:xfrm>
             <a:off x="380880" y="685800"/>
-            <a:ext cx="6092640" cy="3425760"/>
+            <a:ext cx="6092280" cy="3425400"/>
           </a:xfrm>
           <a:prstGeom prst="rect">
             <a:avLst/>
@@ -1818,7 +1818,7 @@
         <p:spPr>
           <a:xfrm>
             <a:off x="685800" y="4343400"/>
-            <a:ext cx="5483160" cy="4111560"/>
+            <a:ext cx="5482800" cy="4111200"/>
           </a:xfrm>
           <a:prstGeom prst="rect">
             <a:avLst/>
@@ -1852,7 +1852,7 @@
         <p:spPr>
           <a:xfrm>
             <a:off x="3884760" y="8685360"/>
-            <a:ext cx="2968560" cy="453960"/>
+            <a:ext cx="2968200" cy="453600"/>
           </a:xfrm>
           <a:prstGeom prst="rect">
             <a:avLst/>
@@ -1888,7 +1888,7 @@
               </a:lnSpc>
               <a:buNone/>
             </a:pPr>
-            <a:fld id="{659B099D-1CFF-4638-BB9D-1FD74DA955E9}" type="slidenum">
+            <a:fld id="{CD5B06C6-9DC2-429D-8630-C5A5E16F91B7}" type="slidenum">
               <a:rPr b="0" lang="en-US" sz="1200" spc="-1" strike="noStrike">
                 <a:solidFill>
                   <a:srgbClr val="000000"/>
@@ -1939,7 +1939,7 @@
         <p:spPr>
           <a:xfrm>
             <a:off x="380880" y="685800"/>
-            <a:ext cx="6092640" cy="3425760"/>
+            <a:ext cx="6092280" cy="3425400"/>
           </a:xfrm>
           <a:prstGeom prst="rect">
             <a:avLst/>
@@ -1962,7 +1962,7 @@
         <p:spPr>
           <a:xfrm>
             <a:off x="685800" y="4343400"/>
-            <a:ext cx="5483160" cy="4111560"/>
+            <a:ext cx="5482800" cy="4111200"/>
           </a:xfrm>
           <a:prstGeom prst="rect">
             <a:avLst/>
@@ -1996,7 +1996,7 @@
         <p:spPr>
           <a:xfrm>
             <a:off x="3884760" y="8685360"/>
-            <a:ext cx="2968560" cy="453960"/>
+            <a:ext cx="2968200" cy="453600"/>
           </a:xfrm>
           <a:prstGeom prst="rect">
             <a:avLst/>
@@ -2032,7 +2032,7 @@
               </a:lnSpc>
               <a:buNone/>
             </a:pPr>
-            <a:fld id="{B1ECDA2B-74D8-41A5-8DEE-C6AFBDBB707C}" type="slidenum">
+            <a:fld id="{5EA7A04E-00EA-431F-AA48-B4BFDBC0D324}" type="slidenum">
               <a:rPr b="0" lang="en-US" sz="1200" spc="-1" strike="noStrike">
                 <a:solidFill>
                   <a:srgbClr val="000000"/>
@@ -2083,7 +2083,7 @@
         <p:spPr>
           <a:xfrm>
             <a:off x="380880" y="685800"/>
-            <a:ext cx="6092640" cy="3425760"/>
+            <a:ext cx="6092280" cy="3425400"/>
           </a:xfrm>
           <a:prstGeom prst="rect">
             <a:avLst/>
@@ -2106,7 +2106,7 @@
         <p:spPr>
           <a:xfrm>
             <a:off x="685800" y="4343400"/>
-            <a:ext cx="5483160" cy="4111560"/>
+            <a:ext cx="5482800" cy="4111200"/>
           </a:xfrm>
           <a:prstGeom prst="rect">
             <a:avLst/>
@@ -2140,7 +2140,7 @@
         <p:spPr>
           <a:xfrm>
             <a:off x="3884760" y="8685360"/>
-            <a:ext cx="2968560" cy="453960"/>
+            <a:ext cx="2968200" cy="453600"/>
           </a:xfrm>
           <a:prstGeom prst="rect">
             <a:avLst/>
@@ -2176,7 +2176,7 @@
               </a:lnSpc>
               <a:buNone/>
             </a:pPr>
-            <a:fld id="{97A44247-F64E-4692-909D-99DD9DBD2621}" type="slidenum">
+            <a:fld id="{B1496B9E-4D24-4B17-9DC1-1120BDEDDBC7}" type="slidenum">
               <a:rPr b="0" lang="en-US" sz="1200" spc="-1" strike="noStrike">
                 <a:solidFill>
                   <a:srgbClr val="000000"/>
@@ -2227,7 +2227,7 @@
         <p:spPr>
           <a:xfrm>
             <a:off x="380880" y="685800"/>
-            <a:ext cx="6092640" cy="3425760"/>
+            <a:ext cx="6092280" cy="3425400"/>
           </a:xfrm>
           <a:prstGeom prst="rect">
             <a:avLst/>
@@ -2250,7 +2250,7 @@
         <p:spPr>
           <a:xfrm>
             <a:off x="685800" y="4343400"/>
-            <a:ext cx="5483160" cy="4111560"/>
+            <a:ext cx="5482800" cy="4111200"/>
           </a:xfrm>
           <a:prstGeom prst="rect">
             <a:avLst/>
@@ -2284,7 +2284,7 @@
         <p:spPr>
           <a:xfrm>
             <a:off x="3884760" y="8685360"/>
-            <a:ext cx="2968560" cy="453960"/>
+            <a:ext cx="2968200" cy="453600"/>
           </a:xfrm>
           <a:prstGeom prst="rect">
             <a:avLst/>
@@ -2320,7 +2320,7 @@
               </a:lnSpc>
               <a:buNone/>
             </a:pPr>
-            <a:fld id="{58118B65-24BB-4077-AFC6-962AD18F018B}" type="slidenum">
+            <a:fld id="{AD27C530-AD5F-4FD3-B3E1-B8BFD703A2A0}" type="slidenum">
               <a:rPr b="0" lang="en-US" sz="1200" spc="-1" strike="noStrike">
                 <a:solidFill>
                   <a:srgbClr val="000000"/>
@@ -2371,7 +2371,7 @@
         <p:spPr>
           <a:xfrm>
             <a:off x="380880" y="685800"/>
-            <a:ext cx="6092640" cy="3425760"/>
+            <a:ext cx="6092280" cy="3425400"/>
           </a:xfrm>
           <a:prstGeom prst="rect">
             <a:avLst/>
@@ -2394,7 +2394,7 @@
         <p:spPr>
           <a:xfrm>
             <a:off x="685800" y="4343400"/>
-            <a:ext cx="5483160" cy="4111560"/>
+            <a:ext cx="5482800" cy="4111200"/>
           </a:xfrm>
           <a:prstGeom prst="rect">
             <a:avLst/>
@@ -2428,7 +2428,7 @@
         <p:spPr>
           <a:xfrm>
             <a:off x="3884760" y="8685360"/>
-            <a:ext cx="2968560" cy="453960"/>
+            <a:ext cx="2968200" cy="453600"/>
           </a:xfrm>
           <a:prstGeom prst="rect">
             <a:avLst/>
@@ -2464,7 +2464,7 @@
               </a:lnSpc>
               <a:buNone/>
             </a:pPr>
-            <a:fld id="{927150F1-234B-49BA-8607-E9C6011F90BE}" type="slidenum">
+            <a:fld id="{3F2A5275-1878-4E77-9862-8F8803C103D7}" type="slidenum">
               <a:rPr b="0" lang="en-US" sz="1200" spc="-1" strike="noStrike">
                 <a:solidFill>
                   <a:srgbClr val="000000"/>
@@ -2515,7 +2515,7 @@
         <p:spPr>
           <a:xfrm>
             <a:off x="380880" y="685800"/>
-            <a:ext cx="6092640" cy="3425760"/>
+            <a:ext cx="6092280" cy="3425400"/>
           </a:xfrm>
           <a:prstGeom prst="rect">
             <a:avLst/>
@@ -2538,7 +2538,7 @@
         <p:spPr>
           <a:xfrm>
             <a:off x="685800" y="4343400"/>
-            <a:ext cx="5483160" cy="4111560"/>
+            <a:ext cx="5482800" cy="4111200"/>
           </a:xfrm>
           <a:prstGeom prst="rect">
             <a:avLst/>
@@ -2572,7 +2572,7 @@
         <p:spPr>
           <a:xfrm>
             <a:off x="3884760" y="8685360"/>
-            <a:ext cx="2968560" cy="453960"/>
+            <a:ext cx="2968200" cy="453600"/>
           </a:xfrm>
           <a:prstGeom prst="rect">
             <a:avLst/>
@@ -2608,7 +2608,7 @@
               </a:lnSpc>
               <a:buNone/>
             </a:pPr>
-            <a:fld id="{5BAA9007-FADA-4D98-B783-55345D1EAEA3}" type="slidenum">
+            <a:fld id="{8B25B6DC-1682-4AD4-A172-3A76387902AA}" type="slidenum">
               <a:rPr b="0" lang="en-US" sz="1200" spc="-1" strike="noStrike">
                 <a:solidFill>
                   <a:srgbClr val="000000"/>
@@ -2680,7 +2680,7 @@
         <p:txBody>
           <a:bodyPr/>
           <a:p>
-            <a:fld id="{457F2E98-C1BC-4789-8E13-E5D6DED41F43}" type="slidenum">
+            <a:fld id="{B616E4D1-42B3-493D-AAE6-0B1C474AF417}" type="slidenum">
               <a:t>&lt;#&gt;</a:t>
             </a:fld>
           </a:p>
@@ -2868,7 +2868,7 @@
         <p:txBody>
           <a:bodyPr/>
           <a:p>
-            <a:fld id="{957AE756-C577-4214-A6BA-CE73B58CFDAC}" type="slidenum">
+            <a:fld id="{0D771086-C8EC-4F19-BF5C-A081AB0D3455}" type="slidenum">
               <a:t>&lt;#&gt;</a:t>
             </a:fld>
           </a:p>
@@ -3124,7 +3124,7 @@
         <p:txBody>
           <a:bodyPr/>
           <a:p>
-            <a:fld id="{2A6759FB-2557-499F-BB3B-4AB67F459477}" type="slidenum">
+            <a:fld id="{74AC39CA-C470-45E5-97AF-5134F46CE581}" type="slidenum">
               <a:t>&lt;#&gt;</a:t>
             </a:fld>
           </a:p>
@@ -3448,7 +3448,7 @@
         <p:txBody>
           <a:bodyPr/>
           <a:p>
-            <a:fld id="{A223031A-6C5B-4BCC-A568-8E4C4D9033B6}" type="slidenum">
+            <a:fld id="{F4C6D6F5-CE8B-4503-8E63-069B10FB31EC}" type="slidenum">
               <a:t>&lt;#&gt;</a:t>
             </a:fld>
           </a:p>
@@ -3605,7 +3605,7 @@
         <p:txBody>
           <a:bodyPr/>
           <a:p>
-            <a:fld id="{6FF14910-553E-4084-ADEE-12E540E20FCB}" type="slidenum">
+            <a:fld id="{95C60BFD-6F63-45AA-9814-BAC4DDDB5825}" type="slidenum">
               <a:t>&lt;#&gt;</a:t>
             </a:fld>
           </a:p>
@@ -3759,7 +3759,7 @@
         <p:txBody>
           <a:bodyPr/>
           <a:p>
-            <a:fld id="{3DE28B41-1A7D-45B9-B327-DB38D7B5E104}" type="slidenum">
+            <a:fld id="{1C31C602-3732-4A67-ABE0-0A8505941237}" type="slidenum">
               <a:t>&lt;#&gt;</a:t>
             </a:fld>
           </a:p>
@@ -3947,7 +3947,7 @@
         <p:txBody>
           <a:bodyPr/>
           <a:p>
-            <a:fld id="{D5352257-3918-420F-8477-6BD5A4782EF8}" type="slidenum">
+            <a:fld id="{8E2BB58A-0739-4F9E-AC85-36D4C61BE5CA}" type="slidenum">
               <a:t>&lt;#&gt;</a:t>
             </a:fld>
           </a:p>
@@ -4067,7 +4067,7 @@
         <p:txBody>
           <a:bodyPr/>
           <a:p>
-            <a:fld id="{A59E5B06-AA9F-4050-943F-7FB22B765BA2}" type="slidenum">
+            <a:fld id="{83B4E06E-2161-484F-B22B-6FB99C34AE7D}" type="slidenum">
               <a:t>&lt;#&gt;</a:t>
             </a:fld>
           </a:p>
@@ -4187,7 +4187,7 @@
         <p:txBody>
           <a:bodyPr/>
           <a:p>
-            <a:fld id="{A68311D4-47C5-4DFF-8D99-1EC52696CE2F}" type="slidenum">
+            <a:fld id="{8EC0A09A-9BF1-4D27-8C1E-97B66453A3FB}" type="slidenum">
               <a:t>&lt;#&gt;</a:t>
             </a:fld>
           </a:p>
@@ -4409,7 +4409,7 @@
         <p:txBody>
           <a:bodyPr/>
           <a:p>
-            <a:fld id="{7E28E318-B54D-48F5-90D3-9EC3E5C2695F}" type="slidenum">
+            <a:fld id="{2F3C7759-84CF-492D-BCAD-64F0476976CD}" type="slidenum">
               <a:t>&lt;#&gt;</a:t>
             </a:fld>
           </a:p>
@@ -4631,7 +4631,7 @@
         <p:txBody>
           <a:bodyPr/>
           <a:p>
-            <a:fld id="{AF79CAD3-328D-4696-BD2B-EDE64FC8D407}" type="slidenum">
+            <a:fld id="{334F7242-CCB5-49F0-B5C8-27C039260570}" type="slidenum">
               <a:t>&lt;#&gt;</a:t>
             </a:fld>
           </a:p>
@@ -4853,7 +4853,7 @@
         <p:txBody>
           <a:bodyPr/>
           <a:p>
-            <a:fld id="{012F9E27-7ABB-4604-9C07-5BF8AB287E2B}" type="slidenum">
+            <a:fld id="{61A34E5A-EF8A-409C-AD02-566F2E7F96EB}" type="slidenum">
               <a:t>&lt;#&gt;</a:t>
             </a:fld>
           </a:p>
@@ -4922,7 +4922,7 @@
         <p:spPr>
           <a:xfrm>
             <a:off x="3028680" y="4771440"/>
-            <a:ext cx="3083400" cy="271440"/>
+            <a:ext cx="3083040" cy="271080"/>
           </a:xfrm>
           <a:prstGeom prst="rect">
             <a:avLst/>
@@ -4966,7 +4966,7 @@
                 <a:latin typeface="Times New Roman"/>
                 <a:ea typeface="DejaVu Sans"/>
               </a:rPr>
-              <a:t> </a:t>
+              <a:t>&lt;footer&gt;</a:t>
             </a:r>
             <a:endParaRPr b="0" lang="en-US" sz="1400" spc="-1" strike="noStrike">
               <a:latin typeface="Times New Roman"/>
@@ -4987,7 +4987,7 @@
         <p:spPr>
           <a:xfrm>
             <a:off x="6457680" y="4771440"/>
-            <a:ext cx="2054880" cy="271440"/>
+            <a:ext cx="2054520" cy="271080"/>
           </a:xfrm>
           <a:prstGeom prst="rect">
             <a:avLst/>
@@ -5023,7 +5023,7 @@
               </a:lnSpc>
               <a:buNone/>
             </a:pPr>
-            <a:fld id="{1746B0F4-1EB6-4E79-AC6A-E2EB77080333}" type="slidenum">
+            <a:fld id="{0C1EEC69-0666-4409-920A-C72947A7E4C9}" type="slidenum">
               <a:rPr b="0" lang="en-US" sz="1200" spc="-1" strike="noStrike">
                 <a:solidFill>
                   <a:srgbClr val="8b8b8b"/>
@@ -5031,7 +5031,7 @@
                 <a:latin typeface="Calibri"/>
                 <a:ea typeface="DejaVu Sans"/>
               </a:rPr>
-              <a:t>15</a:t>
+              <a:t>&lt;number&gt;</a:t>
             </a:fld>
             <a:endParaRPr b="0" lang="en-US" sz="1200" spc="-1" strike="noStrike">
               <a:latin typeface="Times New Roman"/>
@@ -5052,7 +5052,7 @@
         <p:spPr>
           <a:xfrm>
             <a:off x="628200" y="4771440"/>
-            <a:ext cx="2054880" cy="271440"/>
+            <a:ext cx="2054520" cy="271080"/>
           </a:xfrm>
           <a:prstGeom prst="rect">
             <a:avLst/>
@@ -5078,7 +5078,7 @@
               <a:rPr b="0" lang="en-US" sz="1400" spc="-1" strike="noStrike">
                 <a:latin typeface="Times New Roman"/>
               </a:rPr>
-              <a:t> </a:t>
+              <a:t>&lt;date/time&gt;</a:t>
             </a:r>
             <a:endParaRPr b="0" lang="en-US" sz="1400" spc="-1" strike="noStrike">
               <a:latin typeface="Times New Roman"/>
@@ -5364,8 +5364,8 @@
         </p:nvSpPr>
         <p:spPr>
           <a:xfrm rot="2744400">
-            <a:off x="-282240" y="-25920"/>
-            <a:ext cx="705600" cy="705240"/>
+            <a:off x="-281880" y="-25920"/>
+            <a:ext cx="705240" cy="704880"/>
           </a:xfrm>
           <a:prstGeom prst="roundRect">
             <a:avLst>
@@ -5402,8 +5402,8 @@
         </p:nvSpPr>
         <p:spPr>
           <a:xfrm rot="2625600">
-            <a:off x="6024960" y="4333680"/>
-            <a:ext cx="469440" cy="469440"/>
+            <a:off x="6024960" y="4333320"/>
+            <a:ext cx="469080" cy="469080"/>
           </a:xfrm>
           <a:prstGeom prst="roundRect">
             <a:avLst>
@@ -5440,8 +5440,8 @@
         </p:nvSpPr>
         <p:spPr>
           <a:xfrm rot="18679200">
-            <a:off x="7004880" y="948600"/>
-            <a:ext cx="4941000" cy="4667400"/>
+            <a:off x="7004520" y="948600"/>
+            <a:ext cx="4940640" cy="4667040"/>
           </a:xfrm>
           <a:prstGeom prst="roundRect">
             <a:avLst>
@@ -5479,7 +5479,7 @@
         <p:spPr>
           <a:xfrm>
             <a:off x="459720" y="4671360"/>
-            <a:ext cx="2996640" cy="267480"/>
+            <a:ext cx="2996280" cy="267120"/>
           </a:xfrm>
           <a:prstGeom prst="rect">
             <a:avLst/>
@@ -5544,8 +5544,8 @@
         </p:blipFill>
         <p:spPr>
           <a:xfrm>
-            <a:off x="2423160" y="4671720"/>
-            <a:ext cx="289080" cy="289080"/>
+            <a:off x="2971800" y="4740480"/>
+            <a:ext cx="288720" cy="288720"/>
           </a:xfrm>
           <a:prstGeom prst="rect">
             <a:avLst/>
@@ -5564,7 +5564,7 @@
         <p:spPr>
           <a:xfrm>
             <a:off x="484920" y="1681560"/>
-            <a:ext cx="5482080" cy="1883520"/>
+            <a:ext cx="5481720" cy="1883160"/>
           </a:xfrm>
           <a:prstGeom prst="rect">
             <a:avLst/>
@@ -5652,8 +5652,8 @@
         </p:nvSpPr>
         <p:spPr>
           <a:xfrm rot="2744400">
-            <a:off x="-282240" y="-25920"/>
-            <a:ext cx="705600" cy="705240"/>
+            <a:off x="-281880" y="-25920"/>
+            <a:ext cx="705240" cy="704880"/>
           </a:xfrm>
           <a:prstGeom prst="roundRect">
             <a:avLst>
@@ -5691,7 +5691,7 @@
         <p:spPr>
           <a:xfrm rot="2332200">
             <a:off x="6009480" y="-320040"/>
-            <a:ext cx="4856760" cy="7727760"/>
+            <a:ext cx="4856400" cy="7727400"/>
           </a:xfrm>
           <a:prstGeom prst="roundRect">
             <a:avLst>
@@ -5729,9 +5729,9 @@
         <p:grpSpPr>
           <a:xfrm>
             <a:off x="4571640" y="828000"/>
-            <a:ext cx="4469400" cy="3565440"/>
+            <a:ext cx="4469040" cy="3565080"/>
             <a:chOff x="4571640" y="828000"/>
-            <a:chExt cx="4469400" cy="3565440"/>
+            <a:chExt cx="4469040" cy="3565080"/>
           </a:xfrm>
         </p:grpSpPr>
         <p:pic>
@@ -5747,7 +5747,7 @@
           <p:spPr>
             <a:xfrm>
               <a:off x="4571640" y="828000"/>
-              <a:ext cx="4469400" cy="3565440"/>
+              <a:ext cx="4469040" cy="3565080"/>
             </a:xfrm>
             <a:prstGeom prst="rect">
               <a:avLst/>
@@ -5765,8 +5765,8 @@
           </p:nvSpPr>
           <p:spPr>
             <a:xfrm rot="16200000">
-              <a:off x="5962680" y="1157760"/>
-              <a:ext cx="1738440" cy="2772360"/>
+              <a:off x="5962680" y="1158120"/>
+              <a:ext cx="1738080" cy="2772000"/>
             </a:xfrm>
             <a:prstGeom prst="roundRect">
               <a:avLst>
@@ -5833,7 +5833,7 @@
         <p:spPr>
           <a:xfrm>
             <a:off x="5446080" y="1672200"/>
-            <a:ext cx="2772000" cy="1738440"/>
+            <a:ext cx="2771640" cy="1738080"/>
           </a:xfrm>
           <a:prstGeom prst="rect">
             <a:avLst/>
@@ -5885,7 +5885,7 @@
         <p:spPr>
           <a:xfrm>
             <a:off x="586440" y="1246680"/>
-            <a:ext cx="4005360" cy="3601080"/>
+            <a:ext cx="4005000" cy="3600720"/>
           </a:xfrm>
           <a:prstGeom prst="rect">
             <a:avLst/>
@@ -5937,7 +5937,7 @@
         <p:spPr>
           <a:xfrm>
             <a:off x="586440" y="453960"/>
-            <a:ext cx="4765320" cy="856440"/>
+            <a:ext cx="4764960" cy="856080"/>
           </a:xfrm>
           <a:prstGeom prst="rect">
             <a:avLst/>
@@ -6025,8 +6025,8 @@
         </p:nvSpPr>
         <p:spPr>
           <a:xfrm rot="2745600">
-            <a:off x="8349840" y="-668520"/>
-            <a:ext cx="1499400" cy="1499400"/>
+            <a:off x="8349840" y="-668160"/>
+            <a:ext cx="1499040" cy="1499040"/>
           </a:xfrm>
           <a:prstGeom prst="roundRect">
             <a:avLst>
@@ -6064,7 +6064,7 @@
         <p:spPr>
           <a:xfrm rot="2745600">
             <a:off x="7634160" y="-322920"/>
-            <a:ext cx="808200" cy="808560"/>
+            <a:ext cx="807840" cy="808200"/>
           </a:xfrm>
           <a:prstGeom prst="roundRect">
             <a:avLst>
@@ -6103,7 +6103,7 @@
         <p:spPr>
           <a:xfrm>
             <a:off x="586440" y="899640"/>
-            <a:ext cx="7932960" cy="1538280"/>
+            <a:ext cx="7932600" cy="1537920"/>
           </a:xfrm>
           <a:prstGeom prst="rect">
             <a:avLst/>
@@ -6155,7 +6155,7 @@
         <p:spPr>
           <a:xfrm>
             <a:off x="608040" y="2545560"/>
-            <a:ext cx="3713400" cy="2256840"/>
+            <a:ext cx="3713040" cy="2256480"/>
           </a:xfrm>
           <a:prstGeom prst="rect">
             <a:avLst/>
@@ -6207,7 +6207,7 @@
         <p:spPr>
           <a:xfrm>
             <a:off x="4806360" y="2545560"/>
-            <a:ext cx="3713400" cy="2256840"/>
+            <a:ext cx="3713040" cy="2256480"/>
           </a:xfrm>
           <a:prstGeom prst="rect">
             <a:avLst/>
@@ -6259,7 +6259,7 @@
         <p:spPr>
           <a:xfrm>
             <a:off x="583200" y="450720"/>
-            <a:ext cx="7199280" cy="513360"/>
+            <a:ext cx="7198920" cy="513000"/>
           </a:xfrm>
           <a:prstGeom prst="rect">
             <a:avLst/>
@@ -6341,7 +6341,7 @@
         <p:spPr>
           <a:xfrm>
             <a:off x="586440" y="1246680"/>
-            <a:ext cx="4005360" cy="3601080"/>
+            <a:ext cx="4005000" cy="3600720"/>
           </a:xfrm>
           <a:prstGeom prst="rect">
             <a:avLst/>
@@ -6393,7 +6393,7 @@
         <p:spPr>
           <a:xfrm>
             <a:off x="559800" y="446040"/>
-            <a:ext cx="4284720" cy="684720"/>
+            <a:ext cx="4284360" cy="684360"/>
           </a:xfrm>
           <a:prstGeom prst="rect">
             <a:avLst/>
@@ -6445,7 +6445,7 @@
         <p:spPr>
           <a:xfrm>
             <a:off x="5097600" y="360"/>
-            <a:ext cx="4380840" cy="5145120"/>
+            <a:ext cx="4380480" cy="5144760"/>
           </a:xfrm>
           <a:prstGeom prst="roundRect">
             <a:avLst>
@@ -6510,8 +6510,8 @@
         </p:nvSpPr>
         <p:spPr>
           <a:xfrm rot="2744400">
-            <a:off x="-282240" y="-25920"/>
-            <a:ext cx="705600" cy="705240"/>
+            <a:off x="-281880" y="-25920"/>
+            <a:ext cx="705240" cy="704880"/>
           </a:xfrm>
           <a:prstGeom prst="roundRect">
             <a:avLst>
@@ -6548,8 +6548,8 @@
         </p:nvSpPr>
         <p:spPr>
           <a:xfrm rot="2625600">
-            <a:off x="4861080" y="4147560"/>
-            <a:ext cx="469440" cy="469440"/>
+            <a:off x="4861080" y="4147200"/>
+            <a:ext cx="469080" cy="469080"/>
           </a:xfrm>
           <a:prstGeom prst="roundRect">
             <a:avLst>
@@ -6623,8 +6623,8 @@
         </p:nvSpPr>
         <p:spPr>
           <a:xfrm rot="2744400">
-            <a:off x="-351360" y="4541040"/>
-            <a:ext cx="705600" cy="705240"/>
+            <a:off x="-351000" y="4540680"/>
+            <a:ext cx="705240" cy="704880"/>
           </a:xfrm>
           <a:prstGeom prst="roundRect">
             <a:avLst>
@@ -6661,8 +6661,8 @@
         </p:nvSpPr>
         <p:spPr>
           <a:xfrm rot="19228200">
-            <a:off x="5847120" y="-2267640"/>
-            <a:ext cx="4856400" cy="7727400"/>
+            <a:off x="5847120" y="-2267280"/>
+            <a:ext cx="4856040" cy="7727040"/>
           </a:xfrm>
           <a:prstGeom prst="roundRect">
             <a:avLst>
@@ -6700,9 +6700,9 @@
         <p:grpSpPr>
           <a:xfrm>
             <a:off x="4571640" y="828000"/>
-            <a:ext cx="4469400" cy="3565440"/>
+            <a:ext cx="4469040" cy="3565080"/>
             <a:chOff x="4571640" y="828000"/>
-            <a:chExt cx="4469400" cy="3565440"/>
+            <a:chExt cx="4469040" cy="3565080"/>
           </a:xfrm>
         </p:grpSpPr>
         <p:pic>
@@ -6718,7 +6718,7 @@
           <p:spPr>
             <a:xfrm>
               <a:off x="4571640" y="828000"/>
-              <a:ext cx="4469400" cy="3565440"/>
+              <a:ext cx="4469040" cy="3565080"/>
             </a:xfrm>
             <a:prstGeom prst="rect">
               <a:avLst/>
@@ -6736,8 +6736,8 @@
           </p:nvSpPr>
           <p:spPr>
             <a:xfrm rot="16200000">
-              <a:off x="5962680" y="1157760"/>
-              <a:ext cx="1738440" cy="2772360"/>
+              <a:off x="5962680" y="1158120"/>
+              <a:ext cx="1738080" cy="2772000"/>
             </a:xfrm>
             <a:prstGeom prst="roundRect">
               <a:avLst>
@@ -6804,7 +6804,7 @@
         <p:spPr>
           <a:xfrm>
             <a:off x="586440" y="1246680"/>
-            <a:ext cx="4005360" cy="3601080"/>
+            <a:ext cx="4005000" cy="3600720"/>
           </a:xfrm>
           <a:prstGeom prst="rect">
             <a:avLst/>
@@ -6856,7 +6856,7 @@
         <p:spPr>
           <a:xfrm>
             <a:off x="5446080" y="1672200"/>
-            <a:ext cx="2781360" cy="1738440"/>
+            <a:ext cx="2781000" cy="1738080"/>
           </a:xfrm>
           <a:prstGeom prst="rect">
             <a:avLst/>
@@ -6908,7 +6908,7 @@
         <p:spPr>
           <a:xfrm>
             <a:off x="586440" y="453960"/>
-            <a:ext cx="3697920" cy="856440"/>
+            <a:ext cx="3697560" cy="856080"/>
           </a:xfrm>
           <a:prstGeom prst="rect">
             <a:avLst/>
@@ -6997,7 +6997,7 @@
         <p:spPr>
           <a:xfrm>
             <a:off x="4222080" y="1246680"/>
-            <a:ext cx="4116240" cy="3601080"/>
+            <a:ext cx="4115880" cy="3600720"/>
           </a:xfrm>
           <a:prstGeom prst="rect">
             <a:avLst/>
@@ -7048,8 +7048,8 @@
         </p:nvSpPr>
         <p:spPr>
           <a:xfrm rot="16200000">
-            <a:off x="-2181600" y="1732320"/>
-            <a:ext cx="5145120" cy="1685160"/>
+            <a:off x="-2181600" y="1732680"/>
+            <a:ext cx="5144760" cy="1684800"/>
           </a:xfrm>
           <a:prstGeom prst="roundRect">
             <a:avLst>
@@ -7086,8 +7086,8 @@
         </p:nvSpPr>
         <p:spPr>
           <a:xfrm rot="2745000">
-            <a:off x="8575200" y="104760"/>
-            <a:ext cx="1133640" cy="1133280"/>
+            <a:off x="8575200" y="104400"/>
+            <a:ext cx="1133280" cy="1132920"/>
           </a:xfrm>
           <a:prstGeom prst="roundRect">
             <a:avLst>
@@ -7124,8 +7124,8 @@
         </p:nvSpPr>
         <p:spPr>
           <a:xfrm rot="16200000">
-            <a:off x="614880" y="917640"/>
-            <a:ext cx="3233160" cy="3314880"/>
+            <a:off x="614880" y="918000"/>
+            <a:ext cx="3232800" cy="3314520"/>
           </a:xfrm>
           <a:prstGeom prst="roundRect">
             <a:avLst>
@@ -7191,7 +7191,7 @@
         <p:spPr>
           <a:xfrm>
             <a:off x="4214160" y="456120"/>
-            <a:ext cx="4113000" cy="856440"/>
+            <a:ext cx="4112640" cy="856080"/>
           </a:xfrm>
           <a:prstGeom prst="rect">
             <a:avLst/>
@@ -7279,8 +7279,8 @@
         </p:nvSpPr>
         <p:spPr>
           <a:xfrm rot="2744400">
-            <a:off x="-282240" y="-25920"/>
-            <a:ext cx="705600" cy="705240"/>
+            <a:off x="-281880" y="-25920"/>
+            <a:ext cx="705240" cy="704880"/>
           </a:xfrm>
           <a:prstGeom prst="roundRect">
             <a:avLst>
@@ -7318,7 +7318,7 @@
         <p:spPr>
           <a:xfrm rot="2332200">
             <a:off x="6009480" y="-320040"/>
-            <a:ext cx="4856760" cy="7727760"/>
+            <a:ext cx="4856400" cy="7727400"/>
           </a:xfrm>
           <a:prstGeom prst="roundRect">
             <a:avLst>
@@ -7356,9 +7356,9 @@
         <p:grpSpPr>
           <a:xfrm>
             <a:off x="4571640" y="828000"/>
-            <a:ext cx="4469400" cy="3565440"/>
+            <a:ext cx="4469040" cy="3565080"/>
             <a:chOff x="4571640" y="828000"/>
-            <a:chExt cx="4469400" cy="3565440"/>
+            <a:chExt cx="4469040" cy="3565080"/>
           </a:xfrm>
         </p:grpSpPr>
         <p:pic>
@@ -7374,7 +7374,7 @@
           <p:spPr>
             <a:xfrm>
               <a:off x="4571640" y="828000"/>
-              <a:ext cx="4469400" cy="3565440"/>
+              <a:ext cx="4469040" cy="3565080"/>
             </a:xfrm>
             <a:prstGeom prst="rect">
               <a:avLst/>
@@ -7392,8 +7392,8 @@
           </p:nvSpPr>
           <p:spPr>
             <a:xfrm rot="16200000">
-              <a:off x="5962680" y="1157760"/>
-              <a:ext cx="1738440" cy="2772360"/>
+              <a:off x="5962680" y="1158120"/>
+              <a:ext cx="1738080" cy="2772000"/>
             </a:xfrm>
             <a:prstGeom prst="roundRect">
               <a:avLst>
@@ -7460,7 +7460,7 @@
         <p:spPr>
           <a:xfrm>
             <a:off x="5446080" y="1672200"/>
-            <a:ext cx="2772000" cy="1738440"/>
+            <a:ext cx="2771640" cy="1738080"/>
           </a:xfrm>
           <a:prstGeom prst="rect">
             <a:avLst/>
@@ -7512,7 +7512,7 @@
         <p:spPr>
           <a:xfrm>
             <a:off x="586440" y="1246680"/>
-            <a:ext cx="4005360" cy="3601080"/>
+            <a:ext cx="4005000" cy="3600720"/>
           </a:xfrm>
           <a:prstGeom prst="rect">
             <a:avLst/>
@@ -7564,7 +7564,7 @@
         <p:spPr>
           <a:xfrm>
             <a:off x="586440" y="453960"/>
-            <a:ext cx="4765320" cy="856440"/>
+            <a:ext cx="4764960" cy="856080"/>
           </a:xfrm>
           <a:prstGeom prst="rect">
             <a:avLst/>
@@ -7652,8 +7652,8 @@
         </p:nvSpPr>
         <p:spPr>
           <a:xfrm rot="2744400">
-            <a:off x="-282240" y="-25920"/>
-            <a:ext cx="705600" cy="705240"/>
+            <a:off x="-281880" y="-25920"/>
+            <a:ext cx="705240" cy="704880"/>
           </a:xfrm>
           <a:prstGeom prst="roundRect">
             <a:avLst>
@@ -7691,7 +7691,7 @@
         <p:spPr>
           <a:xfrm>
             <a:off x="569160" y="1888920"/>
-            <a:ext cx="4822200" cy="820800"/>
+            <a:ext cx="4821840" cy="820800"/>
           </a:xfrm>
           <a:prstGeom prst="rect">
             <a:avLst/>
@@ -7742,8 +7742,8 @@
         </p:nvSpPr>
         <p:spPr>
           <a:xfrm rot="18679800">
-            <a:off x="6783120" y="457560"/>
-            <a:ext cx="6251760" cy="4667400"/>
+            <a:off x="6782760" y="457560"/>
+            <a:ext cx="6251400" cy="4667040"/>
           </a:xfrm>
           <a:prstGeom prst="roundRect">
             <a:avLst>
@@ -7780,8 +7780,8 @@
         </p:nvSpPr>
         <p:spPr>
           <a:xfrm rot="2625600">
-            <a:off x="6024960" y="4333680"/>
-            <a:ext cx="469440" cy="469440"/>
+            <a:off x="6024960" y="4333320"/>
+            <a:ext cx="469080" cy="469080"/>
           </a:xfrm>
           <a:prstGeom prst="roundRect">
             <a:avLst>
@@ -7819,7 +7819,7 @@
         <p:spPr>
           <a:xfrm>
             <a:off x="1640880" y="4592880"/>
-            <a:ext cx="2996640" cy="267480"/>
+            <a:ext cx="2996280" cy="267120"/>
           </a:xfrm>
           <a:prstGeom prst="rect">
             <a:avLst/>
@@ -7881,7 +7881,7 @@
         <p:spPr>
           <a:xfrm>
             <a:off x="867240" y="3590280"/>
-            <a:ext cx="254520" cy="254880"/>
+            <a:ext cx="254160" cy="254520"/>
           </a:xfrm>
           <a:prstGeom prst="ellipse">
             <a:avLst/>
@@ -7916,7 +7916,7 @@
         <p:spPr>
           <a:xfrm>
             <a:off x="351000" y="3793320"/>
-            <a:ext cx="1287000" cy="1132560"/>
+            <a:ext cx="1286640" cy="1132200"/>
           </a:xfrm>
           <a:prstGeom prst="rect">
             <a:avLst/>
@@ -7965,7 +7965,7 @@
         <p:spPr>
           <a:xfrm>
             <a:off x="586440" y="1246680"/>
-            <a:ext cx="4005360" cy="3601080"/>
+            <a:ext cx="4005000" cy="3600720"/>
           </a:xfrm>
           <a:prstGeom prst="rect">
             <a:avLst/>
@@ -8017,7 +8017,7 @@
         <p:spPr>
           <a:xfrm>
             <a:off x="559800" y="446040"/>
-            <a:ext cx="4284720" cy="684720"/>
+            <a:ext cx="4284360" cy="684360"/>
           </a:xfrm>
           <a:prstGeom prst="rect">
             <a:avLst/>
@@ -8069,7 +8069,7 @@
         <p:spPr>
           <a:xfrm>
             <a:off x="5097600" y="360"/>
-            <a:ext cx="4380840" cy="5145120"/>
+            <a:ext cx="4380480" cy="5144760"/>
           </a:xfrm>
           <a:prstGeom prst="roundRect">
             <a:avLst>
@@ -8134,8 +8134,8 @@
         </p:nvSpPr>
         <p:spPr>
           <a:xfrm rot="2744400">
-            <a:off x="-282240" y="-25920"/>
-            <a:ext cx="705600" cy="705240"/>
+            <a:off x="-281880" y="-25920"/>
+            <a:ext cx="705240" cy="704880"/>
           </a:xfrm>
           <a:prstGeom prst="roundRect">
             <a:avLst>
@@ -8172,8 +8172,8 @@
         </p:nvSpPr>
         <p:spPr>
           <a:xfrm rot="2625600">
-            <a:off x="4861080" y="4147560"/>
-            <a:ext cx="469440" cy="469440"/>
+            <a:off x="4861080" y="4147200"/>
+            <a:ext cx="469080" cy="469080"/>
           </a:xfrm>
           <a:prstGeom prst="roundRect">
             <a:avLst>
@@ -8247,8 +8247,8 @@
         </p:nvSpPr>
         <p:spPr>
           <a:xfrm rot="2744400">
-            <a:off x="-351360" y="4541040"/>
-            <a:ext cx="705600" cy="705240"/>
+            <a:off x="-351000" y="4540680"/>
+            <a:ext cx="705240" cy="704880"/>
           </a:xfrm>
           <a:prstGeom prst="roundRect">
             <a:avLst>
@@ -8285,8 +8285,8 @@
         </p:nvSpPr>
         <p:spPr>
           <a:xfrm rot="19228200">
-            <a:off x="5847120" y="-2267640"/>
-            <a:ext cx="4856400" cy="7727400"/>
+            <a:off x="5847120" y="-2267280"/>
+            <a:ext cx="4856040" cy="7727040"/>
           </a:xfrm>
           <a:prstGeom prst="roundRect">
             <a:avLst>
@@ -8324,9 +8324,9 @@
         <p:grpSpPr>
           <a:xfrm>
             <a:off x="4571640" y="828000"/>
-            <a:ext cx="4469400" cy="3565440"/>
+            <a:ext cx="4469040" cy="3565080"/>
             <a:chOff x="4571640" y="828000"/>
-            <a:chExt cx="4469400" cy="3565440"/>
+            <a:chExt cx="4469040" cy="3565080"/>
           </a:xfrm>
         </p:grpSpPr>
         <p:pic>
@@ -8342,7 +8342,7 @@
           <p:spPr>
             <a:xfrm>
               <a:off x="4571640" y="828000"/>
-              <a:ext cx="4469400" cy="3565440"/>
+              <a:ext cx="4469040" cy="3565080"/>
             </a:xfrm>
             <a:prstGeom prst="rect">
               <a:avLst/>
@@ -8360,8 +8360,8 @@
           </p:nvSpPr>
           <p:spPr>
             <a:xfrm rot="16200000">
-              <a:off x="5962680" y="1157760"/>
-              <a:ext cx="1738440" cy="2772360"/>
+              <a:off x="5962680" y="1158120"/>
+              <a:ext cx="1738080" cy="2772000"/>
             </a:xfrm>
             <a:prstGeom prst="roundRect">
               <a:avLst>
@@ -8428,7 +8428,7 @@
         <p:spPr>
           <a:xfrm>
             <a:off x="586440" y="1246680"/>
-            <a:ext cx="4005360" cy="3601080"/>
+            <a:ext cx="4005000" cy="3600720"/>
           </a:xfrm>
           <a:prstGeom prst="rect">
             <a:avLst/>
@@ -8480,7 +8480,7 @@
         <p:spPr>
           <a:xfrm>
             <a:off x="5446080" y="1672200"/>
-            <a:ext cx="2781360" cy="1738440"/>
+            <a:ext cx="2781000" cy="1738080"/>
           </a:xfrm>
           <a:prstGeom prst="rect">
             <a:avLst/>
@@ -8532,7 +8532,7 @@
         <p:spPr>
           <a:xfrm>
             <a:off x="586440" y="453960"/>
-            <a:ext cx="3697920" cy="856440"/>
+            <a:ext cx="3697560" cy="856080"/>
           </a:xfrm>
           <a:prstGeom prst="rect">
             <a:avLst/>
@@ -8621,7 +8621,7 @@
         <p:spPr>
           <a:xfrm>
             <a:off x="4222080" y="1246680"/>
-            <a:ext cx="4116240" cy="3601080"/>
+            <a:ext cx="4115880" cy="3600720"/>
           </a:xfrm>
           <a:prstGeom prst="rect">
             <a:avLst/>
@@ -8672,8 +8672,8 @@
         </p:nvSpPr>
         <p:spPr>
           <a:xfrm rot="16200000">
-            <a:off x="-2181600" y="1732320"/>
-            <a:ext cx="5145120" cy="1685160"/>
+            <a:off x="-2181600" y="1732680"/>
+            <a:ext cx="5144760" cy="1684800"/>
           </a:xfrm>
           <a:prstGeom prst="roundRect">
             <a:avLst>
@@ -8710,8 +8710,8 @@
         </p:nvSpPr>
         <p:spPr>
           <a:xfrm rot="2745000">
-            <a:off x="8575200" y="104760"/>
-            <a:ext cx="1133640" cy="1133280"/>
+            <a:off x="8575200" y="104400"/>
+            <a:ext cx="1133280" cy="1132920"/>
           </a:xfrm>
           <a:prstGeom prst="roundRect">
             <a:avLst>
@@ -8748,8 +8748,8 @@
         </p:nvSpPr>
         <p:spPr>
           <a:xfrm rot="16200000">
-            <a:off x="614880" y="917640"/>
-            <a:ext cx="3233160" cy="3314880"/>
+            <a:off x="614880" y="918000"/>
+            <a:ext cx="3232800" cy="3314520"/>
           </a:xfrm>
           <a:prstGeom prst="roundRect">
             <a:avLst>
@@ -8815,7 +8815,7 @@
         <p:spPr>
           <a:xfrm>
             <a:off x="4214160" y="456120"/>
-            <a:ext cx="4113000" cy="856440"/>
+            <a:ext cx="4112640" cy="856080"/>
           </a:xfrm>
           <a:prstGeom prst="rect">
             <a:avLst/>
@@ -8903,8 +8903,8 @@
         </p:nvSpPr>
         <p:spPr>
           <a:xfrm rot="2744400">
-            <a:off x="-282240" y="-25920"/>
-            <a:ext cx="705600" cy="705240"/>
+            <a:off x="-281880" y="-25920"/>
+            <a:ext cx="705240" cy="704880"/>
           </a:xfrm>
           <a:prstGeom prst="roundRect">
             <a:avLst>
@@ -8942,7 +8942,7 @@
         <p:spPr>
           <a:xfrm rot="2332200">
             <a:off x="6009480" y="-320040"/>
-            <a:ext cx="4856760" cy="7727760"/>
+            <a:ext cx="4856400" cy="7727400"/>
           </a:xfrm>
           <a:prstGeom prst="roundRect">
             <a:avLst>
@@ -8980,9 +8980,9 @@
         <p:grpSpPr>
           <a:xfrm>
             <a:off x="4571640" y="828000"/>
-            <a:ext cx="4469400" cy="3565440"/>
+            <a:ext cx="4469040" cy="3565080"/>
             <a:chOff x="4571640" y="828000"/>
-            <a:chExt cx="4469400" cy="3565440"/>
+            <a:chExt cx="4469040" cy="3565080"/>
           </a:xfrm>
         </p:grpSpPr>
         <p:pic>
@@ -8998,7 +8998,7 @@
           <p:spPr>
             <a:xfrm>
               <a:off x="4571640" y="828000"/>
-              <a:ext cx="4469400" cy="3565440"/>
+              <a:ext cx="4469040" cy="3565080"/>
             </a:xfrm>
             <a:prstGeom prst="rect">
               <a:avLst/>
@@ -9016,8 +9016,8 @@
           </p:nvSpPr>
           <p:spPr>
             <a:xfrm rot="16200000">
-              <a:off x="5962680" y="1157760"/>
-              <a:ext cx="1738440" cy="2772360"/>
+              <a:off x="5962680" y="1158120"/>
+              <a:ext cx="1738080" cy="2772000"/>
             </a:xfrm>
             <a:prstGeom prst="roundRect">
               <a:avLst>
@@ -9084,7 +9084,7 @@
         <p:spPr>
           <a:xfrm>
             <a:off x="5446080" y="1672200"/>
-            <a:ext cx="2772000" cy="1738440"/>
+            <a:ext cx="2771640" cy="1738080"/>
           </a:xfrm>
           <a:prstGeom prst="rect">
             <a:avLst/>
@@ -9136,7 +9136,7 @@
         <p:spPr>
           <a:xfrm>
             <a:off x="586440" y="1246680"/>
-            <a:ext cx="4005360" cy="3601080"/>
+            <a:ext cx="4005000" cy="3600720"/>
           </a:xfrm>
           <a:prstGeom prst="rect">
             <a:avLst/>
@@ -9188,7 +9188,7 @@
         <p:spPr>
           <a:xfrm>
             <a:off x="586440" y="453960"/>
-            <a:ext cx="4765320" cy="856440"/>
+            <a:ext cx="4764960" cy="856080"/>
           </a:xfrm>
           <a:prstGeom prst="rect">
             <a:avLst/>
@@ -9276,8 +9276,8 @@
         </p:nvSpPr>
         <p:spPr>
           <a:xfrm rot="2745600">
-            <a:off x="8349840" y="-668520"/>
-            <a:ext cx="1499400" cy="1499400"/>
+            <a:off x="8349840" y="-668160"/>
+            <a:ext cx="1499040" cy="1499040"/>
           </a:xfrm>
           <a:prstGeom prst="roundRect">
             <a:avLst>
@@ -9315,7 +9315,7 @@
         <p:spPr>
           <a:xfrm rot="2745600">
             <a:off x="7634160" y="-322920"/>
-            <a:ext cx="808200" cy="808560"/>
+            <a:ext cx="807840" cy="808200"/>
           </a:xfrm>
           <a:prstGeom prst="roundRect">
             <a:avLst>
@@ -9354,7 +9354,7 @@
         <p:spPr>
           <a:xfrm>
             <a:off x="586440" y="899640"/>
-            <a:ext cx="7932960" cy="1538280"/>
+            <a:ext cx="7932600" cy="1537920"/>
           </a:xfrm>
           <a:prstGeom prst="rect">
             <a:avLst/>
@@ -9406,7 +9406,7 @@
         <p:spPr>
           <a:xfrm>
             <a:off x="608040" y="2545560"/>
-            <a:ext cx="3713400" cy="2256840"/>
+            <a:ext cx="3713040" cy="2256480"/>
           </a:xfrm>
           <a:prstGeom prst="rect">
             <a:avLst/>
@@ -9458,7 +9458,7 @@
         <p:spPr>
           <a:xfrm>
             <a:off x="4806360" y="2545560"/>
-            <a:ext cx="3713400" cy="2256840"/>
+            <a:ext cx="3713040" cy="2256480"/>
           </a:xfrm>
           <a:prstGeom prst="rect">
             <a:avLst/>
@@ -9510,7 +9510,7 @@
         <p:spPr>
           <a:xfrm>
             <a:off x="583200" y="450720"/>
-            <a:ext cx="7199280" cy="513360"/>
+            <a:ext cx="7198920" cy="513000"/>
           </a:xfrm>
           <a:prstGeom prst="rect">
             <a:avLst/>
@@ -9592,7 +9592,7 @@
         <p:spPr>
           <a:xfrm>
             <a:off x="586440" y="1246680"/>
-            <a:ext cx="4005360" cy="3601080"/>
+            <a:ext cx="4005000" cy="3600720"/>
           </a:xfrm>
           <a:prstGeom prst="rect">
             <a:avLst/>
@@ -9644,7 +9644,7 @@
         <p:spPr>
           <a:xfrm>
             <a:off x="559800" y="446040"/>
-            <a:ext cx="4284720" cy="684720"/>
+            <a:ext cx="4284360" cy="684360"/>
           </a:xfrm>
           <a:prstGeom prst="rect">
             <a:avLst/>
@@ -9696,7 +9696,7 @@
         <p:spPr>
           <a:xfrm>
             <a:off x="5097600" y="360"/>
-            <a:ext cx="4380840" cy="5145120"/>
+            <a:ext cx="4380480" cy="5144760"/>
           </a:xfrm>
           <a:prstGeom prst="roundRect">
             <a:avLst>
@@ -9761,8 +9761,8 @@
         </p:nvSpPr>
         <p:spPr>
           <a:xfrm rot="2744400">
-            <a:off x="-282240" y="-25920"/>
-            <a:ext cx="705600" cy="705240"/>
+            <a:off x="-281880" y="-25920"/>
+            <a:ext cx="705240" cy="704880"/>
           </a:xfrm>
           <a:prstGeom prst="roundRect">
             <a:avLst>
@@ -9799,8 +9799,8 @@
         </p:nvSpPr>
         <p:spPr>
           <a:xfrm rot="2625600">
-            <a:off x="4861080" y="4147560"/>
-            <a:ext cx="469440" cy="469440"/>
+            <a:off x="4861080" y="4147200"/>
+            <a:ext cx="469080" cy="469080"/>
           </a:xfrm>
           <a:prstGeom prst="roundRect">
             <a:avLst>
@@ -9874,8 +9874,8 @@
         </p:nvSpPr>
         <p:spPr>
           <a:xfrm rot="2744400">
-            <a:off x="-351360" y="4541040"/>
-            <a:ext cx="705600" cy="705240"/>
+            <a:off x="-351000" y="4540680"/>
+            <a:ext cx="705240" cy="704880"/>
           </a:xfrm>
           <a:prstGeom prst="roundRect">
             <a:avLst>
@@ -9912,8 +9912,8 @@
         </p:nvSpPr>
         <p:spPr>
           <a:xfrm rot="19228200">
-            <a:off x="5847120" y="-2267640"/>
-            <a:ext cx="4856400" cy="7727400"/>
+            <a:off x="5847120" y="-2267280"/>
+            <a:ext cx="4856040" cy="7727040"/>
           </a:xfrm>
           <a:prstGeom prst="roundRect">
             <a:avLst>
@@ -9951,9 +9951,9 @@
         <p:grpSpPr>
           <a:xfrm>
             <a:off x="4571640" y="828000"/>
-            <a:ext cx="4469400" cy="3565440"/>
+            <a:ext cx="4469040" cy="3565080"/>
             <a:chOff x="4571640" y="828000"/>
-            <a:chExt cx="4469400" cy="3565440"/>
+            <a:chExt cx="4469040" cy="3565080"/>
           </a:xfrm>
         </p:grpSpPr>
         <p:pic>
@@ -9969,7 +9969,7 @@
           <p:spPr>
             <a:xfrm>
               <a:off x="4571640" y="828000"/>
-              <a:ext cx="4469400" cy="3565440"/>
+              <a:ext cx="4469040" cy="3565080"/>
             </a:xfrm>
             <a:prstGeom prst="rect">
               <a:avLst/>
@@ -9987,8 +9987,8 @@
           </p:nvSpPr>
           <p:spPr>
             <a:xfrm rot="16200000">
-              <a:off x="5962680" y="1157760"/>
-              <a:ext cx="1738440" cy="2772360"/>
+              <a:off x="5962680" y="1158120"/>
+              <a:ext cx="1738080" cy="2772000"/>
             </a:xfrm>
             <a:prstGeom prst="roundRect">
               <a:avLst>
@@ -10055,7 +10055,7 @@
         <p:spPr>
           <a:xfrm>
             <a:off x="586440" y="1246680"/>
-            <a:ext cx="4005360" cy="3601080"/>
+            <a:ext cx="4005000" cy="3600720"/>
           </a:xfrm>
           <a:prstGeom prst="rect">
             <a:avLst/>
@@ -10107,7 +10107,7 @@
         <p:spPr>
           <a:xfrm>
             <a:off x="5446080" y="1672200"/>
-            <a:ext cx="2781360" cy="1738440"/>
+            <a:ext cx="2781000" cy="1738080"/>
           </a:xfrm>
           <a:prstGeom prst="rect">
             <a:avLst/>
@@ -10159,7 +10159,7 @@
         <p:spPr>
           <a:xfrm>
             <a:off x="586440" y="453960"/>
-            <a:ext cx="3697920" cy="856440"/>
+            <a:ext cx="3697560" cy="856080"/>
           </a:xfrm>
           <a:prstGeom prst="rect">
             <a:avLst/>
@@ -10248,7 +10248,7 @@
         <p:spPr>
           <a:xfrm>
             <a:off x="4222080" y="1246680"/>
-            <a:ext cx="4116240" cy="3601080"/>
+            <a:ext cx="4115880" cy="3600720"/>
           </a:xfrm>
           <a:prstGeom prst="rect">
             <a:avLst/>
@@ -10299,8 +10299,8 @@
         </p:nvSpPr>
         <p:spPr>
           <a:xfrm rot="16200000">
-            <a:off x="-2181600" y="1732320"/>
-            <a:ext cx="5145120" cy="1685160"/>
+            <a:off x="-2181600" y="1732680"/>
+            <a:ext cx="5144760" cy="1684800"/>
           </a:xfrm>
           <a:prstGeom prst="roundRect">
             <a:avLst>
@@ -10337,8 +10337,8 @@
         </p:nvSpPr>
         <p:spPr>
           <a:xfrm rot="2745000">
-            <a:off x="8575200" y="104760"/>
-            <a:ext cx="1133640" cy="1133280"/>
+            <a:off x="8575200" y="104400"/>
+            <a:ext cx="1133280" cy="1132920"/>
           </a:xfrm>
           <a:prstGeom prst="roundRect">
             <a:avLst>
@@ -10375,8 +10375,8 @@
         </p:nvSpPr>
         <p:spPr>
           <a:xfrm rot="16200000">
-            <a:off x="614880" y="917640"/>
-            <a:ext cx="3233160" cy="3314880"/>
+            <a:off x="614880" y="918000"/>
+            <a:ext cx="3232800" cy="3314520"/>
           </a:xfrm>
           <a:prstGeom prst="roundRect">
             <a:avLst>
@@ -10442,7 +10442,7 @@
         <p:spPr>
           <a:xfrm>
             <a:off x="4214160" y="456120"/>
-            <a:ext cx="4113000" cy="856440"/>
+            <a:ext cx="4112640" cy="856080"/>
           </a:xfrm>
           <a:prstGeom prst="rect">
             <a:avLst/>
